--- a/res/ppt/1.pptx
+++ b/res/ppt/1.pptx
@@ -5376,6 +5376,66 @@
           <a:p>
             <a:pPr lvl="0"/>
             <a:endParaRPr lang="x-none" altLang="en-US" dirty="0"/>
+          </a:p>
+        </p:txBody>
+      </p:sp>
+      <p:sp>
+        <p:nvSpPr>
+          <p:cNvPr name="TextBox 2" id="2"/>
+          <p:cNvSpPr txBox="true"/>
+          <p:nvPr/>
+        </p:nvSpPr>
+        <p:spPr>
+          <a:xfrm>
+            <a:off x="127000" y="1016000"/>
+            <a:ext cx="11938000" cy="4826000"/>
+          </a:xfrm>
+          <a:prstGeom prst="rect">
+            <a:avLst/>
+          </a:prstGeom>
+        </p:spPr>
+        <p:txBody>
+          <a:bodyPr anchor="t" rtlCol="false"/>
+          <a:lstStyle/>
+          <a:p>
+            <a:pPr algn="l">
+              <a:defRPr/>
+            </a:pPr>
+            <a:r>
+              <a:rPr lang="zh-CN"/>
+              <a:t/>
+            </a:r>
+            <a:endParaRPr lang="en-US" sz="1100"/>
+          </a:p>
+          <a:p>
+            <a:r>
+              <a:rPr lang="en-US" sz="3200">
+                <a:ea typeface="黑体"/>
+              </a:rPr>
+              <a:t>第一部分积累与运用（共30分）</a:t>
+            </a:r>
+            <a:br>
+              <a:rPr lang="en-US" sz="3200">
+                <a:ea typeface="黑体"/>
+              </a:rPr>
+            </a:br>
+            <a:r>
+              <a:rPr lang="en-US" sz="3200">
+                <a:ea typeface="黑体"/>
+              </a:rPr>
+              <a:t>一、联系语境，在横线上规范地写出词语。（每空1分，共6分）</a:t>
+            </a:r>
+            <a:br>
+              <a:rPr lang="en-US" sz="3200">
+                <a:ea typeface="黑体"/>
+              </a:rPr>
+            </a:br>
+            <a:r>
+              <a:rPr lang="en-US" sz="3200">
+                <a:ea typeface="楷体"/>
+              </a:rPr>
+              <a:t>除夕之夜，家家户户［dēng huǒ tōng xiāo］〖ZZ(Z〗 〖=C1〗灯火通宵〖=C1F〗〖HTK〗 〖ZZ)〗、喜气洋洋。我们一家人各自忙碌着：大门外，爸爸负责贴［duì lián］〖ZZ(Z〗 〖=C1〗对联〖=C1F〗〖HTK〗 〖ZZ)〗；厨房里，奶奶忙着包［jiǎo zi］〖ZZ(Z〗 〖=C1〗饺子〖=C1F〗〖HTK〗 〖ZZ)〗，妈妈忙着炒菜，汤在锅里［fèi ténɡ］〖ZZ(Z〗 〖=C1〗沸腾〖=C1F〗〖HTK〗 〖ZZ)〗着；我和爷爷在餐厅准备碗筷；9岁的弟弟在院子里［rán fàng］〖ZZ(Z〗 〖=C1〗燃放〖=C1F〗〖HTK〗 〖ZZ)〗鞭炮，听到不［jiàn duàn］〖ZZ(Z〗 〖=C1〗间断〖=C1F〗〖HTK〗 〖ZZ)〗的鞭炮声，他开心地欢呼起来……处处充满了幸福和快乐。〖HT〗</a:t>
+            </a:r>
           </a:p>
         </p:txBody>
       </p:sp>
